--- a/122/NETCONF/netconf-nmop-interim-draft-netana-netconf-yp-transport-capabilities-02.pptx
+++ b/122/NETCONF/netconf-nmop-interim-draft-netana-netconf-yp-transport-capabilities-02.pptx
@@ -537,7 +537,7 @@
   <pc:docChgLst>
     <pc:chgData name="Graf Thomas, INI-NET-VNC-E2E" userId="487bc3e3-9ce7-4cdd-b7b4-8899ea88d289" providerId="ADAL" clId="{EAD148C6-EC0E-46B3-BC90-2D75E7936726}"/>
     <pc:docChg chg="undo redo custSel addSld modSld sldOrd">
-      <pc:chgData name="Graf Thomas, INI-NET-VNC-E2E" userId="487bc3e3-9ce7-4cdd-b7b4-8899ea88d289" providerId="ADAL" clId="{EAD148C6-EC0E-46B3-BC90-2D75E7936726}" dt="2025-02-06T10:01:25.583" v="3201" actId="20577"/>
+      <pc:chgData name="Graf Thomas, INI-NET-VNC-E2E" userId="487bc3e3-9ce7-4cdd-b7b4-8899ea88d289" providerId="ADAL" clId="{EAD148C6-EC0E-46B3-BC90-2D75E7936726}" dt="2025-02-06T14:30:24.669" v="3203" actId="207"/>
       <pc:docMkLst>
         <pc:docMk/>
       </pc:docMkLst>
@@ -579,7 +579,7 @@
         </pc:sldMkLst>
       </pc:sldChg>
       <pc:sldChg chg="addSp delSp modSp mod">
-        <pc:chgData name="Graf Thomas, INI-NET-VNC-E2E" userId="487bc3e3-9ce7-4cdd-b7b4-8899ea88d289" providerId="ADAL" clId="{EAD148C6-EC0E-46B3-BC90-2D75E7936726}" dt="2025-02-06T10:01:19.569" v="3199" actId="478"/>
+        <pc:chgData name="Graf Thomas, INI-NET-VNC-E2E" userId="487bc3e3-9ce7-4cdd-b7b4-8899ea88d289" providerId="ADAL" clId="{EAD148C6-EC0E-46B3-BC90-2D75E7936726}" dt="2025-02-06T14:30:24.669" v="3203" actId="207"/>
         <pc:sldMkLst>
           <pc:docMk/>
           <pc:sldMk cId="1767383836" sldId="2145706260"/>
@@ -593,7 +593,7 @@
           </ac:spMkLst>
         </pc:spChg>
         <pc:spChg chg="mod">
-          <ac:chgData name="Graf Thomas, INI-NET-VNC-E2E" userId="487bc3e3-9ce7-4cdd-b7b4-8899ea88d289" providerId="ADAL" clId="{EAD148C6-EC0E-46B3-BC90-2D75E7936726}" dt="2025-02-02T09:04:54.821" v="3093" actId="113"/>
+          <ac:chgData name="Graf Thomas, INI-NET-VNC-E2E" userId="487bc3e3-9ce7-4cdd-b7b4-8899ea88d289" providerId="ADAL" clId="{EAD148C6-EC0E-46B3-BC90-2D75E7936726}" dt="2025-02-06T14:30:24.669" v="3203" actId="207"/>
           <ac:spMkLst>
             <pc:docMk/>
             <pc:sldMk cId="1767383836" sldId="2145706260"/>
@@ -7748,8 +7748,16 @@
               </a:spcBef>
             </a:pPr>
             <a:r>
+              <a:rPr lang="en-US" sz="1700" dirty="0">
+                <a:solidFill>
+                  <a:srgbClr val="FF0000"/>
+                </a:solidFill>
+              </a:rPr>
+              <a:t>Authors raised question</a:t>
+            </a:r>
+            <a:r>
               <a:rPr lang="en-US" sz="1700" dirty="0"/>
-              <a:t>Authors raised question at IETF 122 and on </a:t>
+              <a:t> at IETF 122 and on </a:t>
             </a:r>
             <a:r>
               <a:rPr lang="en-US" sz="1700" dirty="0">
@@ -7759,7 +7767,19 @@
             </a:r>
             <a:r>
               <a:rPr lang="en-US" sz="1700" dirty="0"/>
-              <a:t>to NETCONF working group wherever document addresses the discoverability requirements defined in </a:t>
+              <a:t>to NETCONF working group </a:t>
+            </a:r>
+            <a:r>
+              <a:rPr lang="en-US" sz="1700" dirty="0">
+                <a:solidFill>
+                  <a:srgbClr val="FF0000"/>
+                </a:solidFill>
+              </a:rPr>
+              <a:t>wherever document addresses the discoverability requirements</a:t>
+            </a:r>
+            <a:r>
+              <a:rPr lang="en-US" sz="1700" dirty="0"/>
+              <a:t> defined in </a:t>
             </a:r>
             <a:r>
               <a:rPr lang="en-US" sz="1700" dirty="0">
@@ -8190,15 +8210,7 @@
             </a:r>
             <a:r>
               <a:rPr lang="en-US" sz="1700" dirty="0"/>
-              <a:t>does address network operators' needs, and this </a:t>
-            </a:r>
-            <a:r>
-              <a:rPr lang="en-US" sz="1700"/>
-              <a:t>document complements the </a:t>
-            </a:r>
-            <a:r>
-              <a:rPr lang="en-US" sz="1700" dirty="0"/>
-              <a:t>YANG-Push configured subscription transport capabilities aspect. </a:t>
+              <a:t>does address network operators' needs, and this document complements the YANG-Push configured subscription transport capabilities aspect. </a:t>
             </a:r>
           </a:p>
           <a:p>
